--- a/doc/2018-inu-kotlin-05.pptx
+++ b/doc/2018-inu-kotlin-05.pptx
@@ -352,7 +352,7 @@
             <a:fld id="{207F23D9-DF40-4811-9C78-A2E2A32398DD}" type="datetimeFigureOut">
               <a:rPr lang="ko-KR" altLang="en-US" smtClean="0"/>
               <a:pPr/>
-              <a:t>2018-07-05</a:t>
+              <a:t>2018-07-06</a:t>
             </a:fld>
             <a:endParaRPr lang="ko-KR" altLang="en-US"/>
           </a:p>
@@ -519,7 +519,7 @@
             <a:fld id="{F3AF6795-A612-454E-AF7A-9192B1BEBB13}" type="datetimeFigureOut">
               <a:rPr lang="ko-KR" altLang="en-US" smtClean="0"/>
               <a:pPr/>
-              <a:t>2018-07-05</a:t>
+              <a:t>2018-07-06</a:t>
             </a:fld>
             <a:endParaRPr lang="ko-KR" altLang="en-US"/>
           </a:p>
@@ -5619,7 +5619,7 @@
             <a:fld id="{8761FD00-3F21-42CF-9EF5-8F6D81CE3AFD}" type="datetimeFigureOut">
               <a:rPr lang="ko-KR" altLang="en-US" smtClean="0"/>
               <a:pPr/>
-              <a:t>2018-07-05</a:t>
+              <a:t>2018-07-06</a:t>
             </a:fld>
             <a:endParaRPr lang="ko-KR" altLang="en-US"/>
           </a:p>
@@ -6365,7 +6365,7 @@
             <a:fld id="{8761FD00-3F21-42CF-9EF5-8F6D81CE3AFD}" type="datetimeFigureOut">
               <a:rPr lang="ko-KR" altLang="en-US" smtClean="0"/>
               <a:pPr/>
-              <a:t>2018-07-05</a:t>
+              <a:t>2018-07-06</a:t>
             </a:fld>
             <a:endParaRPr lang="ko-KR" altLang="en-US"/>
           </a:p>
@@ -6685,7 +6685,7 @@
             <a:fld id="{8761FD00-3F21-42CF-9EF5-8F6D81CE3AFD}" type="datetimeFigureOut">
               <a:rPr lang="ko-KR" altLang="en-US" smtClean="0"/>
               <a:pPr/>
-              <a:t>2018-07-05</a:t>
+              <a:t>2018-07-06</a:t>
             </a:fld>
             <a:endParaRPr lang="ko-KR" altLang="en-US"/>
           </a:p>
@@ -6947,7 +6947,7 @@
             <a:fld id="{8761FD00-3F21-42CF-9EF5-8F6D81CE3AFD}" type="datetimeFigureOut">
               <a:rPr lang="ko-KR" altLang="en-US" smtClean="0"/>
               <a:pPr/>
-              <a:t>2018-07-05</a:t>
+              <a:t>2018-07-06</a:t>
             </a:fld>
             <a:endParaRPr lang="ko-KR" altLang="en-US"/>
           </a:p>
@@ -7180,7 +7180,7 @@
             <a:fld id="{8761FD00-3F21-42CF-9EF5-8F6D81CE3AFD}" type="datetimeFigureOut">
               <a:rPr lang="ko-KR" altLang="en-US" smtClean="0"/>
               <a:pPr/>
-              <a:t>2018-07-05</a:t>
+              <a:t>2018-07-06</a:t>
             </a:fld>
             <a:endParaRPr lang="ko-KR" altLang="en-US"/>
           </a:p>
@@ -7469,7 +7469,7 @@
             <a:fld id="{8761FD00-3F21-42CF-9EF5-8F6D81CE3AFD}" type="datetimeFigureOut">
               <a:rPr lang="ko-KR" altLang="en-US" smtClean="0"/>
               <a:pPr/>
-              <a:t>2018-07-05</a:t>
+              <a:t>2018-07-06</a:t>
             </a:fld>
             <a:endParaRPr lang="ko-KR" altLang="en-US"/>
           </a:p>
@@ -12609,11 +12609,7 @@
             </a:r>
             <a:r>
               <a:rPr lang="ko-KR" altLang="en-US" sz="1400" dirty="0" smtClean="0"/>
-              <a:t> </a:t>
-            </a:r>
-            <a:r>
-              <a:rPr lang="ko-KR" altLang="en-US" sz="1400" dirty="0" smtClean="0"/>
-              <a:t>프로그래밍</a:t>
+              <a:t> 프로그래밍</a:t>
             </a:r>
             <a:endParaRPr lang="en-US" altLang="ko-KR" sz="1400" dirty="0" smtClean="0"/>
           </a:p>
@@ -19187,10 +19183,10 @@
                 <a:latin typeface="+mn-ea"/>
                 <a:ea typeface="+mn-ea"/>
               </a:rPr>
-              <a:t> – </a:t>
-            </a:r>
-            <a:r>
-              <a:rPr lang="en-US" altLang="ko-KR" sz="3200" b="1" spc="-150" dirty="0" smtClean="0">
+              <a:t> – 4</a:t>
+            </a:r>
+            <a:r>
+              <a:rPr lang="ko-KR" altLang="en-US" sz="3200" b="1" spc="-150" dirty="0" smtClean="0">
                 <a:solidFill>
                   <a:schemeClr val="accent4">
                     <a:lumMod val="50000"/>
@@ -19199,31 +19195,7 @@
                 <a:latin typeface="+mn-ea"/>
                 <a:ea typeface="+mn-ea"/>
               </a:rPr>
-              <a:t>4</a:t>
-            </a:r>
-            <a:r>
-              <a:rPr lang="ko-KR" altLang="en-US" sz="3200" b="1" spc="-150" dirty="0" smtClean="0">
-                <a:solidFill>
-                  <a:schemeClr val="accent4">
-                    <a:lumMod val="50000"/>
-                  </a:schemeClr>
-                </a:solidFill>
-                <a:latin typeface="+mn-ea"/>
-                <a:ea typeface="+mn-ea"/>
-              </a:rPr>
-              <a:t>일차 </a:t>
-            </a:r>
-            <a:r>
-              <a:rPr lang="ko-KR" altLang="en-US" sz="3200" b="1" spc="-150" dirty="0" smtClean="0">
-                <a:solidFill>
-                  <a:schemeClr val="accent4">
-                    <a:lumMod val="50000"/>
-                  </a:schemeClr>
-                </a:solidFill>
-                <a:latin typeface="+mn-ea"/>
-                <a:ea typeface="+mn-ea"/>
-              </a:rPr>
-              <a:t>회고</a:t>
+              <a:t>일차 회고</a:t>
             </a:r>
             <a:endParaRPr lang="ko-KR" altLang="en-US" sz="3200" b="1" spc="-150" dirty="0">
               <a:solidFill>
@@ -23407,7 +23379,19 @@
               <a:rPr lang="ko-KR" altLang="en-US" dirty="0" smtClean="0">
                 <a:latin typeface="+mn-ea"/>
               </a:rPr>
-              <a:t>기준 에</a:t>
+              <a:t>기준 </a:t>
+            </a:r>
+            <a:r>
+              <a:rPr lang="en-US" altLang="ko-KR" smtClean="0">
+                <a:latin typeface="+mn-ea"/>
+              </a:rPr>
+              <a:t>dp</a:t>
+            </a:r>
+            <a:r>
+              <a:rPr lang="ko-KR" altLang="en-US" smtClean="0">
+                <a:latin typeface="+mn-ea"/>
+              </a:rPr>
+              <a:t>에</a:t>
             </a:r>
             <a:r>
               <a:rPr lang="en-US" altLang="ko-KR" dirty="0" smtClean="0">
@@ -24025,13 +24009,7 @@
               <a:rPr lang="ko-KR" altLang="en-US" dirty="0" smtClean="0">
                 <a:latin typeface="+mn-ea"/>
               </a:rPr>
-              <a:t>제작할</a:t>
-            </a:r>
-            <a:r>
-              <a:rPr lang="ko-KR" altLang="en-US" dirty="0" smtClean="0">
-                <a:latin typeface="+mn-ea"/>
-              </a:rPr>
-              <a:t> 프로젝트</a:t>
+              <a:t>제작할 프로젝트</a:t>
             </a:r>
           </a:p>
         </p:txBody>
